--- a/test/pptx/start-numbering-at/moved-layouts.pptx
+++ b/test/pptx/start-numbering-at/moved-layouts.pptx
@@ -4993,7 +4993,7 @@
 </file>
 
 <file path=ppt/slideMasters/slideMaster1.xml><?xml version="1.0" encoding="utf-8"?>
-<p:sldMaster xmlns:a="http://schemas.openxmlformats.org/drawingml/2006/main" xmlns:r="http://schemas.openxmlformats.org/officeDocument/2006/relationships" xmlns:p="http://schemas.openxmlformats.org/presentationml/2006/main">
+<p:sldMaster xmlns:a="http://schemas.openxmlformats.org/drawingml/2006/main" xmlns:p="http://schemas.openxmlformats.org/presentationml/2006/main" xmlns:r="http://schemas.openxmlformats.org/officeDocument/2006/relationships">
   <p:cSld>
     <p:bg>
       <p:bgPr>
@@ -5043,7 +5043,7 @@
           </a:prstGeom>
         </p:spPr>
         <p:txBody>
-          <a:bodyPr vert="horz" lIns="91440" tIns="45720" rIns="91440" bIns="45720" rtlCol="0" anchor="ctr">
+          <a:bodyPr anchor="ctr" bIns="45720" lIns="91440" rIns="91440" rtlCol="0" tIns="45720" vert="horz">
             <a:normAutofit/>
           </a:bodyPr>
           <a:lstStyle/>
@@ -5052,7 +5052,7 @@
               <a:rPr lang="en-US"/>
               <a:t>Click to edit Master title style</a:t>
             </a:r>
-            <a:endParaRPr lang="en-US" dirty="0"/>
+            <a:endParaRPr dirty="0" lang="en-US"/>
           </a:p>
         </p:txBody>
       </p:sp>
@@ -5063,7 +5063,7 @@
             <a:spLocks noGrp="1"/>
           </p:cNvSpPr>
           <p:nvPr>
-            <p:ph type="body" idx="1"/>
+            <p:ph idx="1" type="body"/>
           </p:nvPr>
         </p:nvSpPr>
         <p:spPr>
@@ -5076,7 +5076,7 @@
           </a:prstGeom>
         </p:spPr>
         <p:txBody>
-          <a:bodyPr vert="horz" lIns="91440" tIns="45720" rIns="91440" bIns="45720" rtlCol="0">
+          <a:bodyPr bIns="45720" lIns="91440" rIns="91440" rtlCol="0" tIns="45720" vert="horz">
             <a:normAutofit/>
           </a:bodyPr>
           <a:lstStyle/>
@@ -5114,7 +5114,7 @@
               <a:rPr lang="en-US"/>
               <a:t>Fifth level</a:t>
             </a:r>
-            <a:endParaRPr lang="en-US" dirty="0"/>
+            <a:endParaRPr dirty="0" lang="en-US"/>
           </a:p>
         </p:txBody>
       </p:sp>
@@ -5125,7 +5125,7 @@
             <a:spLocks noGrp="1"/>
           </p:cNvSpPr>
           <p:nvPr>
-            <p:ph type="dt" sz="half" idx="2"/>
+            <p:ph idx="2" sz="half" type="dt"/>
           </p:nvPr>
         </p:nvSpPr>
         <p:spPr>
@@ -5138,7 +5138,7 @@
           </a:prstGeom>
         </p:spPr>
         <p:txBody>
-          <a:bodyPr vert="horz" lIns="91440" tIns="45720" rIns="91440" bIns="45720" rtlCol="0" anchor="ctr"/>
+          <a:bodyPr anchor="ctr" bIns="45720" lIns="91440" rIns="91440" rtlCol="0" tIns="45720" vert="horz"/>
           <a:lstStyle>
             <a:lvl1pPr algn="l">
               <a:defRPr sz="1200">
@@ -5170,10 +5170,10 @@
           </a:lstStyle>
           <a:p>
             <a:fld id="{51CF1133-3259-4C45-BABA-5B62D9C6F78D}" type="datetimeFigureOut">
-              <a:rPr lang="en-US" dirty="0"/>
+              <a:rPr dirty="0" lang="en-US"/>
               <a:t>8/12/21</a:t>
             </a:fld>
-            <a:endParaRPr lang="en-US" dirty="0"/>
+            <a:endParaRPr dirty="0" lang="en-US"/>
           </a:p>
         </p:txBody>
       </p:sp>
@@ -5184,7 +5184,7 @@
             <a:spLocks noGrp="1"/>
           </p:cNvSpPr>
           <p:nvPr>
-            <p:ph type="ftr" sz="quarter" idx="3"/>
+            <p:ph idx="3" sz="quarter" type="ftr"/>
           </p:nvPr>
         </p:nvSpPr>
         <p:spPr>
@@ -5197,7 +5197,7 @@
           </a:prstGeom>
         </p:spPr>
         <p:txBody>
-          <a:bodyPr vert="horz" lIns="91440" tIns="45720" rIns="91440" bIns="45720" rtlCol="0" anchor="ctr"/>
+          <a:bodyPr anchor="ctr" bIns="45720" lIns="91440" rIns="91440" rtlCol="0" tIns="45720" vert="horz"/>
           <a:lstStyle>
             <a:lvl1pPr algn="ctr">
               <a:defRPr sz="1200">
@@ -5228,7 +5228,7 @@
             </a:lvl1pPr>
           </a:lstStyle>
           <a:p>
-            <a:endParaRPr lang="en-US" dirty="0"/>
+            <a:endParaRPr dirty="0" lang="en-US"/>
           </a:p>
         </p:txBody>
       </p:sp>
@@ -5239,7 +5239,7 @@
             <a:spLocks noGrp="1"/>
           </p:cNvSpPr>
           <p:nvPr>
-            <p:ph type="sldNum" sz="quarter" idx="4"/>
+            <p:ph idx="4" sz="quarter" type="sldNum"/>
           </p:nvPr>
         </p:nvSpPr>
         <p:spPr>
@@ -5252,7 +5252,7 @@
           </a:prstGeom>
         </p:spPr>
         <p:txBody>
-          <a:bodyPr vert="horz" lIns="91440" tIns="45720" rIns="91440" bIns="45720" rtlCol="0" anchor="ctr"/>
+          <a:bodyPr anchor="ctr" bIns="45720" lIns="91440" rIns="91440" rtlCol="0" tIns="45720" vert="horz"/>
           <a:lstStyle>
             <a:lvl1pPr algn="r">
               <a:defRPr sz="1200">
@@ -5284,17 +5284,17 @@
           </a:lstStyle>
           <a:p>
             <a:fld id="{6D22F896-40B5-4ADD-8801-0D06FADFA095}" type="slidenum">
-              <a:rPr lang="en-US" dirty="0"/>
+              <a:rPr dirty="0" lang="en-US"/>
               <a:pPr/>
               <a:t>‹#›</a:t>
             </a:fld>
-            <a:endParaRPr lang="en-US" dirty="0"/>
+            <a:endParaRPr dirty="0" lang="en-US"/>
           </a:p>
         </p:txBody>
       </p:sp>
     </p:spTree>
   </p:cSld>
-  <p:clrMap bg1="dk1" tx1="lt1" bg2="dk2" tx2="lt2" accent1="accent1" accent2="accent2" accent3="accent3" accent4="accent4" accent5="accent5" accent6="accent6" hlink="hlink" folHlink="folHlink"/>
+  <p:clrMap accent1="accent1" accent2="accent2" accent3="accent3" accent4="accent4" accent5="accent5" accent6="accent6" bg1="dk1" bg2="dk2" folHlink="folHlink" hlink="hlink" tx1="lt1" tx2="lt2"/>
   <p:sldLayoutIdLst>
     <p:sldLayoutId id="2147483653" r:id="rId1"/>
     <p:sldLayoutId id="2147483654" r:id="rId2"/>
@@ -5314,10 +5314,10 @@
     <p:sldLayoutId id="2147483658" r:id="rId16"/>
     <p:sldLayoutId id="2147483659" r:id="rId17"/>
   </p:sldLayoutIdLst>
-  <p:hf sldNum="0" hdr="0" ftr="0" dt="0"/>
+  <p:hf dt="0" ftr="0" hdr="0" sldNum="0"/>
   <p:txStyles>
     <p:titleStyle>
-      <a:lvl1pPr algn="l" defTabSz="914400" rtl="0" eaLnBrk="1" latinLnBrk="0" hangingPunct="1">
+      <a:lvl1pPr algn="l" defTabSz="914400" eaLnBrk="1" hangingPunct="1" latinLnBrk="0" rtl="0">
         <a:lnSpc>
           <a:spcPct val="90000"/>
         </a:lnSpc>
@@ -5325,7 +5325,7 @@
           <a:spcPct val="0"/>
         </a:spcBef>
         <a:buNone/>
-        <a:defRPr sz="5400" b="0" kern="1200">
+        <a:defRPr b="0" kern="1200" sz="5400">
           <a:gradFill flip="none" rotWithShape="1">
             <a:gsLst>
               <a:gs pos="28000">
@@ -5356,16 +5356,16 @@
       </a:lvl1pPr>
     </p:titleStyle>
     <p:bodyStyle>
-      <a:lvl1pPr marL="228600" indent="-228600" algn="l" defTabSz="914400" rtl="0" eaLnBrk="1" latinLnBrk="0" hangingPunct="1">
+      <a:lvl1pPr algn="l" defTabSz="914400" eaLnBrk="1" hangingPunct="1" indent="-228600" latinLnBrk="0" marL="228600" rtl="0">
         <a:lnSpc>
           <a:spcPct val="90000"/>
         </a:lnSpc>
         <a:spcBef>
           <a:spcPts val="1000"/>
         </a:spcBef>
-        <a:buFont typeface="Arial" panose="020B0604020202020204" pitchFamily="34" charset="0"/>
+        <a:buFont charset="0" panose="020B0604020202020204" pitchFamily="34" typeface="Arial"/>
         <a:buChar char="•"/>
-        <a:defRPr sz="2800" kern="1200">
+        <a:defRPr kern="1200" sz="2800">
           <a:gradFill>
             <a:gsLst>
               <a:gs pos="34000">
@@ -5393,16 +5393,16 @@
           <a:cs typeface="+mn-cs"/>
         </a:defRPr>
       </a:lvl1pPr>
-      <a:lvl2pPr marL="685800" indent="-228600" algn="l" defTabSz="914400" rtl="0" eaLnBrk="1" latinLnBrk="0" hangingPunct="1">
+      <a:lvl2pPr algn="l" defTabSz="914400" eaLnBrk="1" hangingPunct="1" indent="-228600" latinLnBrk="0" marL="685800" rtl="0">
         <a:lnSpc>
           <a:spcPct val="90000"/>
         </a:lnSpc>
         <a:spcBef>
           <a:spcPts val="500"/>
         </a:spcBef>
-        <a:buFont typeface="Arial" panose="020B0604020202020204" pitchFamily="34" charset="0"/>
+        <a:buFont charset="0" panose="020B0604020202020204" pitchFamily="34" typeface="Arial"/>
         <a:buChar char="•"/>
-        <a:defRPr sz="2400" kern="1200">
+        <a:defRPr kern="1200" sz="2400">
           <a:gradFill>
             <a:gsLst>
               <a:gs pos="34000">
@@ -5430,16 +5430,16 @@
           <a:cs typeface="+mn-cs"/>
         </a:defRPr>
       </a:lvl2pPr>
-      <a:lvl3pPr marL="1143000" indent="-228600" algn="l" defTabSz="914400" rtl="0" eaLnBrk="1" latinLnBrk="0" hangingPunct="1">
+      <a:lvl3pPr algn="l" defTabSz="914400" eaLnBrk="1" hangingPunct="1" indent="-228600" latinLnBrk="0" marL="1143000" rtl="0">
         <a:lnSpc>
           <a:spcPct val="90000"/>
         </a:lnSpc>
         <a:spcBef>
           <a:spcPts val="500"/>
         </a:spcBef>
-        <a:buFont typeface="Arial" panose="020B0604020202020204" pitchFamily="34" charset="0"/>
+        <a:buFont charset="0" panose="020B0604020202020204" pitchFamily="34" typeface="Arial"/>
         <a:buChar char="•"/>
-        <a:defRPr sz="2000" kern="1200">
+        <a:defRPr kern="1200" sz="2000">
           <a:gradFill>
             <a:gsLst>
               <a:gs pos="34000">
@@ -5467,16 +5467,16 @@
           <a:cs typeface="+mn-cs"/>
         </a:defRPr>
       </a:lvl3pPr>
-      <a:lvl4pPr marL="1600200" indent="-228600" algn="l" defTabSz="914400" rtl="0" eaLnBrk="1" latinLnBrk="0" hangingPunct="1">
+      <a:lvl4pPr algn="l" defTabSz="914400" eaLnBrk="1" hangingPunct="1" indent="-228600" latinLnBrk="0" marL="1600200" rtl="0">
         <a:lnSpc>
           <a:spcPct val="90000"/>
         </a:lnSpc>
         <a:spcBef>
           <a:spcPts val="500"/>
         </a:spcBef>
-        <a:buFont typeface="Arial" panose="020B0604020202020204" pitchFamily="34" charset="0"/>
+        <a:buFont charset="0" panose="020B0604020202020204" pitchFamily="34" typeface="Arial"/>
         <a:buChar char="•"/>
-        <a:defRPr sz="1800" kern="1200">
+        <a:defRPr kern="1200" sz="1800">
           <a:gradFill>
             <a:gsLst>
               <a:gs pos="34000">
@@ -5504,16 +5504,16 @@
           <a:cs typeface="+mn-cs"/>
         </a:defRPr>
       </a:lvl4pPr>
-      <a:lvl5pPr marL="2057400" indent="-228600" algn="l" defTabSz="914400" rtl="0" eaLnBrk="1" latinLnBrk="0" hangingPunct="1">
+      <a:lvl5pPr algn="l" defTabSz="914400" eaLnBrk="1" hangingPunct="1" indent="-228600" latinLnBrk="0" marL="2057400" rtl="0">
         <a:lnSpc>
           <a:spcPct val="90000"/>
         </a:lnSpc>
         <a:spcBef>
           <a:spcPts val="500"/>
         </a:spcBef>
-        <a:buFont typeface="Arial" panose="020B0604020202020204" pitchFamily="34" charset="0"/>
+        <a:buFont charset="0" panose="020B0604020202020204" pitchFamily="34" typeface="Arial"/>
         <a:buChar char="•"/>
-        <a:defRPr sz="1800" kern="1200">
+        <a:defRPr kern="1200" sz="1800">
           <a:gradFill>
             <a:gsLst>
               <a:gs pos="34000">
@@ -5541,16 +5541,16 @@
           <a:cs typeface="+mn-cs"/>
         </a:defRPr>
       </a:lvl5pPr>
-      <a:lvl6pPr marL="2514600" indent="-228600" algn="l" defTabSz="914400" rtl="0" eaLnBrk="1" latinLnBrk="0" hangingPunct="1">
+      <a:lvl6pPr algn="l" defTabSz="914400" eaLnBrk="1" hangingPunct="1" indent="-228600" latinLnBrk="0" marL="2514600" rtl="0">
         <a:lnSpc>
           <a:spcPct val="90000"/>
         </a:lnSpc>
         <a:spcBef>
           <a:spcPts val="500"/>
         </a:spcBef>
-        <a:buFont typeface="Arial" panose="020B0604020202020204" pitchFamily="34" charset="0"/>
+        <a:buFont charset="0" panose="020B0604020202020204" pitchFamily="34" typeface="Arial"/>
         <a:buChar char="•"/>
-        <a:defRPr sz="1800" kern="1200">
+        <a:defRPr kern="1200" sz="1800">
           <a:solidFill>
             <a:schemeClr val="tx1"/>
           </a:solidFill>
@@ -5559,16 +5559,16 @@
           <a:cs typeface="+mn-cs"/>
         </a:defRPr>
       </a:lvl6pPr>
-      <a:lvl7pPr marL="2971800" indent="-228600" algn="l" defTabSz="914400" rtl="0" eaLnBrk="1" latinLnBrk="0" hangingPunct="1">
+      <a:lvl7pPr algn="l" defTabSz="914400" eaLnBrk="1" hangingPunct="1" indent="-228600" latinLnBrk="0" marL="2971800" rtl="0">
         <a:lnSpc>
           <a:spcPct val="90000"/>
         </a:lnSpc>
         <a:spcBef>
           <a:spcPts val="500"/>
         </a:spcBef>
-        <a:buFont typeface="Arial" panose="020B0604020202020204" pitchFamily="34" charset="0"/>
+        <a:buFont charset="0" panose="020B0604020202020204" pitchFamily="34" typeface="Arial"/>
         <a:buChar char="•"/>
-        <a:defRPr sz="1800" kern="1200">
+        <a:defRPr kern="1200" sz="1800">
           <a:solidFill>
             <a:schemeClr val="tx1"/>
           </a:solidFill>
@@ -5577,16 +5577,16 @@
           <a:cs typeface="+mn-cs"/>
         </a:defRPr>
       </a:lvl7pPr>
-      <a:lvl8pPr marL="3429000" indent="-228600" algn="l" defTabSz="914400" rtl="0" eaLnBrk="1" latinLnBrk="0" hangingPunct="1">
+      <a:lvl8pPr algn="l" defTabSz="914400" eaLnBrk="1" hangingPunct="1" indent="-228600" latinLnBrk="0" marL="3429000" rtl="0">
         <a:lnSpc>
           <a:spcPct val="90000"/>
         </a:lnSpc>
         <a:spcBef>
           <a:spcPts val="500"/>
         </a:spcBef>
-        <a:buFont typeface="Arial" panose="020B0604020202020204" pitchFamily="34" charset="0"/>
+        <a:buFont charset="0" panose="020B0604020202020204" pitchFamily="34" typeface="Arial"/>
         <a:buChar char="•"/>
-        <a:defRPr sz="1800" kern="1200">
+        <a:defRPr kern="1200" sz="1800">
           <a:solidFill>
             <a:schemeClr val="tx1"/>
           </a:solidFill>
@@ -5595,16 +5595,16 @@
           <a:cs typeface="+mn-cs"/>
         </a:defRPr>
       </a:lvl8pPr>
-      <a:lvl9pPr marL="3886200" indent="-228600" algn="l" defTabSz="914400" rtl="0" eaLnBrk="1" latinLnBrk="0" hangingPunct="1">
+      <a:lvl9pPr algn="l" defTabSz="914400" eaLnBrk="1" hangingPunct="1" indent="-228600" latinLnBrk="0" marL="3886200" rtl="0">
         <a:lnSpc>
           <a:spcPct val="90000"/>
         </a:lnSpc>
         <a:spcBef>
           <a:spcPts val="500"/>
         </a:spcBef>
-        <a:buFont typeface="Arial" panose="020B0604020202020204" pitchFamily="34" charset="0"/>
+        <a:buFont charset="0" panose="020B0604020202020204" pitchFamily="34" typeface="Arial"/>
         <a:buChar char="•"/>
-        <a:defRPr sz="1800" kern="1200">
+        <a:defRPr kern="1200" sz="1800">
           <a:solidFill>
             <a:schemeClr val="tx1"/>
           </a:solidFill>
@@ -5618,8 +5618,8 @@
       <a:defPPr>
         <a:defRPr lang="en-US"/>
       </a:defPPr>
-      <a:lvl1pPr marL="0" algn="l" defTabSz="914400" rtl="0" eaLnBrk="1" latinLnBrk="0" hangingPunct="1">
-        <a:defRPr sz="1800" kern="1200">
+      <a:lvl1pPr algn="l" defTabSz="914400" eaLnBrk="1" hangingPunct="1" latinLnBrk="0" marL="0" rtl="0">
+        <a:defRPr kern="1200" sz="1800">
           <a:solidFill>
             <a:schemeClr val="tx1"/>
           </a:solidFill>
@@ -5628,8 +5628,8 @@
           <a:cs typeface="+mn-cs"/>
         </a:defRPr>
       </a:lvl1pPr>
-      <a:lvl2pPr marL="457200" algn="l" defTabSz="914400" rtl="0" eaLnBrk="1" latinLnBrk="0" hangingPunct="1">
-        <a:defRPr sz="1800" kern="1200">
+      <a:lvl2pPr algn="l" defTabSz="914400" eaLnBrk="1" hangingPunct="1" latinLnBrk="0" marL="457200" rtl="0">
+        <a:defRPr kern="1200" sz="1800">
           <a:solidFill>
             <a:schemeClr val="tx1"/>
           </a:solidFill>
@@ -5638,8 +5638,8 @@
           <a:cs typeface="+mn-cs"/>
         </a:defRPr>
       </a:lvl2pPr>
-      <a:lvl3pPr marL="914400" algn="l" defTabSz="914400" rtl="0" eaLnBrk="1" latinLnBrk="0" hangingPunct="1">
-        <a:defRPr sz="1800" kern="1200">
+      <a:lvl3pPr algn="l" defTabSz="914400" eaLnBrk="1" hangingPunct="1" latinLnBrk="0" marL="914400" rtl="0">
+        <a:defRPr kern="1200" sz="1800">
           <a:solidFill>
             <a:schemeClr val="tx1"/>
           </a:solidFill>
@@ -5648,8 +5648,8 @@
           <a:cs typeface="+mn-cs"/>
         </a:defRPr>
       </a:lvl3pPr>
-      <a:lvl4pPr marL="1371600" algn="l" defTabSz="914400" rtl="0" eaLnBrk="1" latinLnBrk="0" hangingPunct="1">
-        <a:defRPr sz="1800" kern="1200">
+      <a:lvl4pPr algn="l" defTabSz="914400" eaLnBrk="1" hangingPunct="1" latinLnBrk="0" marL="1371600" rtl="0">
+        <a:defRPr kern="1200" sz="1800">
           <a:solidFill>
             <a:schemeClr val="tx1"/>
           </a:solidFill>
@@ -5658,8 +5658,8 @@
           <a:cs typeface="+mn-cs"/>
         </a:defRPr>
       </a:lvl4pPr>
-      <a:lvl5pPr marL="1828800" algn="l" defTabSz="914400" rtl="0" eaLnBrk="1" latinLnBrk="0" hangingPunct="1">
-        <a:defRPr sz="1800" kern="1200">
+      <a:lvl5pPr algn="l" defTabSz="914400" eaLnBrk="1" hangingPunct="1" latinLnBrk="0" marL="1828800" rtl="0">
+        <a:defRPr kern="1200" sz="1800">
           <a:solidFill>
             <a:schemeClr val="tx1"/>
           </a:solidFill>
@@ -5668,8 +5668,8 @@
           <a:cs typeface="+mn-cs"/>
         </a:defRPr>
       </a:lvl5pPr>
-      <a:lvl6pPr marL="2286000" algn="l" defTabSz="914400" rtl="0" eaLnBrk="1" latinLnBrk="0" hangingPunct="1">
-        <a:defRPr sz="1800" kern="1200">
+      <a:lvl6pPr algn="l" defTabSz="914400" eaLnBrk="1" hangingPunct="1" latinLnBrk="0" marL="2286000" rtl="0">
+        <a:defRPr kern="1200" sz="1800">
           <a:solidFill>
             <a:schemeClr val="tx1"/>
           </a:solidFill>
@@ -5678,8 +5678,8 @@
           <a:cs typeface="+mn-cs"/>
         </a:defRPr>
       </a:lvl6pPr>
-      <a:lvl7pPr marL="2743200" algn="l" defTabSz="914400" rtl="0" eaLnBrk="1" latinLnBrk="0" hangingPunct="1">
-        <a:defRPr sz="1800" kern="1200">
+      <a:lvl7pPr algn="l" defTabSz="914400" eaLnBrk="1" hangingPunct="1" latinLnBrk="0" marL="2743200" rtl="0">
+        <a:defRPr kern="1200" sz="1800">
           <a:solidFill>
             <a:schemeClr val="tx1"/>
           </a:solidFill>
@@ -5688,8 +5688,8 @@
           <a:cs typeface="+mn-cs"/>
         </a:defRPr>
       </a:lvl7pPr>
-      <a:lvl8pPr marL="3200400" algn="l" defTabSz="914400" rtl="0" eaLnBrk="1" latinLnBrk="0" hangingPunct="1">
-        <a:defRPr sz="1800" kern="1200">
+      <a:lvl8pPr algn="l" defTabSz="914400" eaLnBrk="1" hangingPunct="1" latinLnBrk="0" marL="3200400" rtl="0">
+        <a:defRPr kern="1200" sz="1800">
           <a:solidFill>
             <a:schemeClr val="tx1"/>
           </a:solidFill>
@@ -5698,8 +5698,8 @@
           <a:cs typeface="+mn-cs"/>
         </a:defRPr>
       </a:lvl8pPr>
-      <a:lvl9pPr marL="3657600" algn="l" defTabSz="914400" rtl="0" eaLnBrk="1" latinLnBrk="0" hangingPunct="1">
-        <a:defRPr sz="1800" kern="1200">
+      <a:lvl9pPr algn="l" defTabSz="914400" eaLnBrk="1" hangingPunct="1" latinLnBrk="0" marL="3657600" rtl="0">
+        <a:defRPr kern="1200" sz="1800">
           <a:solidFill>
             <a:schemeClr val="tx1"/>
           </a:solidFill>
@@ -6175,4 +6175,265 @@
     </a:ext>
   </a:extLst>
 </a:theme>
+</file>
+
+<file path=ppt/theme/theme2.xml><?xml version="1.0" encoding="utf-8"?>
+<a:theme xmlns:a="http://schemas.openxmlformats.org/drawingml/2006/main" name="Office Theme">
+  <a:themeElements>
+    <a:clrScheme name="Office">
+      <a:dk1>
+        <a:sysClr val="windowText" lastClr="000000"/>
+      </a:dk1>
+      <a:lt1>
+        <a:sysClr val="window" lastClr="FFFFFF"/>
+      </a:lt1>
+      <a:dk2>
+        <a:srgbClr val="44546A"/>
+      </a:dk2>
+      <a:lt2>
+        <a:srgbClr val="E7E6E6"/>
+      </a:lt2>
+      <a:accent1>
+        <a:srgbClr val="5B9BD5"/>
+      </a:accent1>
+      <a:accent2>
+        <a:srgbClr val="ED7D31"/>
+      </a:accent2>
+      <a:accent3>
+        <a:srgbClr val="A5A5A5"/>
+      </a:accent3>
+      <a:accent4>
+        <a:srgbClr val="FFC000"/>
+      </a:accent4>
+      <a:accent5>
+        <a:srgbClr val="4472C4"/>
+      </a:accent5>
+      <a:accent6>
+        <a:srgbClr val="70AD47"/>
+      </a:accent6>
+      <a:hlink>
+        <a:srgbClr val="0563C1"/>
+      </a:hlink>
+      <a:folHlink>
+        <a:srgbClr val="954F72"/>
+      </a:folHlink>
+    </a:clrScheme>
+    <a:fontScheme name="Office">
+      <a:majorFont>
+        <a:latin typeface="Calibri Light" panose="020F0302020204030204"/>
+        <a:ea typeface=""/>
+        <a:cs typeface=""/>
+        <a:font script="Jpan" typeface="ＭＳ Ｐゴシック"/>
+        <a:font script="Hang" typeface="맑은 고딕"/>
+        <a:font script="Hans" typeface="宋体"/>
+        <a:font script="Hant" typeface="新細明體"/>
+        <a:font script="Arab" typeface="Times New Roman"/>
+        <a:font script="Hebr" typeface="Times New Roman"/>
+        <a:font script="Thai" typeface="Angsana New"/>
+        <a:font script="Ethi" typeface="Nyala"/>
+        <a:font script="Beng" typeface="Vrinda"/>
+        <a:font script="Gujr" typeface="Shruti"/>
+        <a:font script="Khmr" typeface="MoolBoran"/>
+        <a:font script="Knda" typeface="Tunga"/>
+        <a:font script="Guru" typeface="Raavi"/>
+        <a:font script="Cans" typeface="Euphemia"/>
+        <a:font script="Cher" typeface="Plantagenet Cherokee"/>
+        <a:font script="Yiii" typeface="Microsoft Yi Baiti"/>
+        <a:font script="Tibt" typeface="Microsoft Himalaya"/>
+        <a:font script="Thaa" typeface="MV Boli"/>
+        <a:font script="Deva" typeface="Mangal"/>
+        <a:font script="Telu" typeface="Gautami"/>
+        <a:font script="Taml" typeface="Latha"/>
+        <a:font script="Syrc" typeface="Estrangelo Edessa"/>
+        <a:font script="Orya" typeface="Kalinga"/>
+        <a:font script="Mlym" typeface="Kartika"/>
+        <a:font script="Laoo" typeface="DokChampa"/>
+        <a:font script="Sinh" typeface="Iskoola Pota"/>
+        <a:font script="Mong" typeface="Mongolian Baiti"/>
+        <a:font script="Viet" typeface="Times New Roman"/>
+        <a:font script="Uigh" typeface="Microsoft Uighur"/>
+        <a:font script="Geor" typeface="Sylfaen"/>
+      </a:majorFont>
+      <a:minorFont>
+        <a:latin typeface="Calibri" panose="020F0502020204030204"/>
+        <a:ea typeface=""/>
+        <a:cs typeface=""/>
+        <a:font script="Jpan" typeface="ＭＳ Ｐゴシック"/>
+        <a:font script="Hang" typeface="맑은 고딕"/>
+        <a:font script="Hans" typeface="宋体"/>
+        <a:font script="Hant" typeface="新細明體"/>
+        <a:font script="Arab" typeface="Arial"/>
+        <a:font script="Hebr" typeface="Arial"/>
+        <a:font script="Thai" typeface="Cordia New"/>
+        <a:font script="Ethi" typeface="Nyala"/>
+        <a:font script="Beng" typeface="Vrinda"/>
+        <a:font script="Gujr" typeface="Shruti"/>
+        <a:font script="Khmr" typeface="DaunPenh"/>
+        <a:font script="Knda" typeface="Tunga"/>
+        <a:font script="Guru" typeface="Raavi"/>
+        <a:font script="Cans" typeface="Euphemia"/>
+        <a:font script="Cher" typeface="Plantagenet Cherokee"/>
+        <a:font script="Yiii" typeface="Microsoft Yi Baiti"/>
+        <a:font script="Tibt" typeface="Microsoft Himalaya"/>
+        <a:font script="Thaa" typeface="MV Boli"/>
+        <a:font script="Deva" typeface="Mangal"/>
+        <a:font script="Telu" typeface="Gautami"/>
+        <a:font script="Taml" typeface="Latha"/>
+        <a:font script="Syrc" typeface="Estrangelo Edessa"/>
+        <a:font script="Orya" typeface="Kalinga"/>
+        <a:font script="Mlym" typeface="Kartika"/>
+        <a:font script="Laoo" typeface="DokChampa"/>
+        <a:font script="Sinh" typeface="Iskoola Pota"/>
+        <a:font script="Mong" typeface="Mongolian Baiti"/>
+        <a:font script="Viet" typeface="Arial"/>
+        <a:font script="Uigh" typeface="Microsoft Uighur"/>
+        <a:font script="Geor" typeface="Sylfaen"/>
+      </a:minorFont>
+    </a:fontScheme>
+    <a:fmtScheme name="Office">
+      <a:fillStyleLst>
+        <a:solidFill>
+          <a:schemeClr val="phClr"/>
+        </a:solidFill>
+        <a:gradFill rotWithShape="1">
+          <a:gsLst>
+            <a:gs pos="0">
+              <a:schemeClr val="phClr">
+                <a:lumMod val="110000"/>
+                <a:satMod val="105000"/>
+                <a:tint val="67000"/>
+              </a:schemeClr>
+            </a:gs>
+            <a:gs pos="50000">
+              <a:schemeClr val="phClr">
+                <a:lumMod val="105000"/>
+                <a:satMod val="103000"/>
+                <a:tint val="73000"/>
+              </a:schemeClr>
+            </a:gs>
+            <a:gs pos="100000">
+              <a:schemeClr val="phClr">
+                <a:lumMod val="105000"/>
+                <a:satMod val="109000"/>
+                <a:tint val="81000"/>
+              </a:schemeClr>
+            </a:gs>
+          </a:gsLst>
+          <a:lin ang="5400000" scaled="0"/>
+        </a:gradFill>
+        <a:gradFill rotWithShape="1">
+          <a:gsLst>
+            <a:gs pos="0">
+              <a:schemeClr val="phClr">
+                <a:satMod val="103000"/>
+                <a:lumMod val="102000"/>
+                <a:tint val="94000"/>
+              </a:schemeClr>
+            </a:gs>
+            <a:gs pos="50000">
+              <a:schemeClr val="phClr">
+                <a:satMod val="110000"/>
+                <a:lumMod val="100000"/>
+                <a:shade val="100000"/>
+              </a:schemeClr>
+            </a:gs>
+            <a:gs pos="100000">
+              <a:schemeClr val="phClr">
+                <a:lumMod val="99000"/>
+                <a:satMod val="120000"/>
+                <a:shade val="78000"/>
+              </a:schemeClr>
+            </a:gs>
+          </a:gsLst>
+          <a:lin ang="5400000" scaled="0"/>
+        </a:gradFill>
+      </a:fillStyleLst>
+      <a:lnStyleLst>
+        <a:ln w="6350" cap="flat" cmpd="sng" algn="ctr">
+          <a:solidFill>
+            <a:schemeClr val="phClr"/>
+          </a:solidFill>
+          <a:prstDash val="solid"/>
+          <a:miter lim="800000"/>
+        </a:ln>
+        <a:ln w="12700" cap="flat" cmpd="sng" algn="ctr">
+          <a:solidFill>
+            <a:schemeClr val="phClr"/>
+          </a:solidFill>
+          <a:prstDash val="solid"/>
+          <a:miter lim="800000"/>
+        </a:ln>
+        <a:ln w="19050" cap="flat" cmpd="sng" algn="ctr">
+          <a:solidFill>
+            <a:schemeClr val="phClr"/>
+          </a:solidFill>
+          <a:prstDash val="solid"/>
+          <a:miter lim="800000"/>
+        </a:ln>
+      </a:lnStyleLst>
+      <a:effectStyleLst>
+        <a:effectStyle>
+          <a:effectLst/>
+        </a:effectStyle>
+        <a:effectStyle>
+          <a:effectLst/>
+        </a:effectStyle>
+        <a:effectStyle>
+          <a:effectLst>
+            <a:outerShdw blurRad="57150" dist="19050" dir="5400000" algn="ctr" rotWithShape="0">
+              <a:srgbClr val="000000">
+                <a:alpha val="63000"/>
+              </a:srgbClr>
+            </a:outerShdw>
+          </a:effectLst>
+        </a:effectStyle>
+      </a:effectStyleLst>
+      <a:bgFillStyleLst>
+        <a:solidFill>
+          <a:schemeClr val="phClr"/>
+        </a:solidFill>
+        <a:solidFill>
+          <a:schemeClr val="phClr">
+            <a:tint val="95000"/>
+            <a:satMod val="170000"/>
+          </a:schemeClr>
+        </a:solidFill>
+        <a:gradFill rotWithShape="1">
+          <a:gsLst>
+            <a:gs pos="0">
+              <a:schemeClr val="phClr">
+                <a:tint val="93000"/>
+                <a:satMod val="150000"/>
+                <a:shade val="98000"/>
+                <a:lumMod val="102000"/>
+              </a:schemeClr>
+            </a:gs>
+            <a:gs pos="50000">
+              <a:schemeClr val="phClr">
+                <a:tint val="98000"/>
+                <a:satMod val="130000"/>
+                <a:shade val="90000"/>
+                <a:lumMod val="103000"/>
+              </a:schemeClr>
+            </a:gs>
+            <a:gs pos="100000">
+              <a:schemeClr val="phClr">
+                <a:shade val="63000"/>
+                <a:satMod val="120000"/>
+              </a:schemeClr>
+            </a:gs>
+          </a:gsLst>
+          <a:lin ang="5400000" scaled="0"/>
+        </a:gradFill>
+      </a:bgFillStyleLst>
+    </a:fmtScheme>
+  </a:themeElements>
+  <a:objectDefaults/>
+  <a:extraClrSchemeLst/>
+  <a:extLst>
+    <a:ext uri="{05A4C25C-085E-4340-85A3-A5531E510DB2}">
+      <thm15:themeFamily xmlns:thm15="http://schemas.microsoft.com/office/thememl/2012/main" name="Office Theme" id="{62F939B6-93AF-4DB8-9C6B-D6C7DFDC589F}" vid="{4A3C46E8-61CC-4603-A589-7422A47A8E4A}"/>
+    </a:ext>
+  </a:extLst>
+</a:theme>
 </file>
--- a/test/pptx/start-numbering-at/moved-layouts.pptx
+++ b/test/pptx/start-numbering-at/moved-layouts.pptx
@@ -5750,23 +5750,7 @@
             </a:pPr>
             <a:r>
               <a:rPr/>
-              <a:t>Example</a:t>
-            </a:r>
-            <a:r>
-              <a:rPr/>
-              <a:t> </a:t>
-            </a:r>
-            <a:r>
-              <a:rPr/>
-              <a:t>numbering</a:t>
-            </a:r>
-            <a:r>
-              <a:rPr/>
-              <a:t> </a:t>
-            </a:r>
-            <a:r>
-              <a:rPr/>
-              <a:t>MWE</a:t>
+              <a:t>Example numbering MWE</a:t>
             </a:r>
           </a:p>
         </p:txBody>
@@ -5856,23 +5840,7 @@
             </a:pPr>
             <a:r>
               <a:rPr/>
-              <a:t>A</a:t>
-            </a:r>
-            <a:r>
-              <a:rPr/>
-              <a:t> </a:t>
-            </a:r>
-            <a:r>
-              <a:rPr/>
-              <a:t>second</a:t>
-            </a:r>
-            <a:r>
-              <a:rPr/>
-              <a:t> </a:t>
-            </a:r>
-            <a:r>
-              <a:rPr/>
-              <a:t>slide</a:t>
+              <a:t>A second slide</a:t>
             </a:r>
           </a:p>
         </p:txBody>

--- a/test/pptx/start-numbering-at/moved-layouts.pptx
+++ b/test/pptx/start-numbering-at/moved-layouts.pptx
@@ -5750,19 +5750,11 @@
             </a:pPr>
             <a:r>
               <a:rPr/>
-              <a:t>Example</a:t>
+              <a:t>Example </a:t>
             </a:r>
             <a:r>
               <a:rPr/>
-              <a:t> </a:t>
-            </a:r>
-            <a:r>
-              <a:rPr/>
-              <a:t>numbering</a:t>
-            </a:r>
-            <a:r>
-              <a:rPr/>
-              <a:t> </a:t>
+              <a:t>numbering </a:t>
             </a:r>
             <a:r>
               <a:rPr/>
@@ -5856,19 +5848,11 @@
             </a:pPr>
             <a:r>
               <a:rPr/>
-              <a:t>A</a:t>
+              <a:t>A </a:t>
             </a:r>
             <a:r>
               <a:rPr/>
-              <a:t> </a:t>
-            </a:r>
-            <a:r>
-              <a:rPr/>
-              <a:t>second</a:t>
-            </a:r>
-            <a:r>
-              <a:rPr/>
-              <a:t> </a:t>
+              <a:t>second </a:t>
             </a:r>
             <a:r>
               <a:rPr/>

--- a/test/pptx/start-numbering-at/moved-layouts.pptx
+++ b/test/pptx/start-numbering-at/moved-layouts.pptx
@@ -5750,11 +5750,19 @@
             </a:pPr>
             <a:r>
               <a:rPr/>
-              <a:t>Example </a:t>
+              <a:t>Example</a:t>
             </a:r>
             <a:r>
               <a:rPr/>
-              <a:t>numbering </a:t>
+              <a:t> </a:t>
+            </a:r>
+            <a:r>
+              <a:rPr/>
+              <a:t>numbering</a:t>
+            </a:r>
+            <a:r>
+              <a:rPr/>
+              <a:t> </a:t>
             </a:r>
             <a:r>
               <a:rPr/>
@@ -5848,11 +5856,19 @@
             </a:pPr>
             <a:r>
               <a:rPr/>
-              <a:t>A </a:t>
+              <a:t>A</a:t>
             </a:r>
             <a:r>
               <a:rPr/>
-              <a:t>second </a:t>
+              <a:t> </a:t>
+            </a:r>
+            <a:r>
+              <a:rPr/>
+              <a:t>second</a:t>
+            </a:r>
+            <a:r>
+              <a:rPr/>
+              <a:t> </a:t>
             </a:r>
             <a:r>
               <a:rPr/>
